--- a/선행 자료/4 - C++ 상속.pptx
+++ b/선행 자료/4 - C++ 상속.pptx
@@ -1,6 +1,6 @@
 
 <file path=ppt/presentation.xml><?xml version="1.0" encoding="utf-8"?>
-<p:presentation xmlns:a="http://schemas.openxmlformats.org/drawingml/2006/main" xmlns:r="http://schemas.openxmlformats.org/officeDocument/2006/relationships" xmlns:p="http://schemas.openxmlformats.org/presentationml/2006/main" saveSubsetFonts="1">
+<p:presentation xmlns:a="http://schemas.openxmlformats.org/drawingml/2006/main" xmlns:r="http://schemas.openxmlformats.org/officeDocument/2006/relationships" xmlns:p="http://schemas.openxmlformats.org/presentationml/2006/main" embedTrueTypeFonts="1" saveSubsetFonts="1">
   <p:sldMasterIdLst>
     <p:sldMasterId id="2147483648" r:id="rId1"/>
   </p:sldMasterIdLst>
@@ -40,6 +40,24 @@
   </p:sldIdLst>
   <p:sldSz cx="12192000" cy="6858000"/>
   <p:notesSz cx="6858000" cy="9144000"/>
+  <p:embeddedFontLst>
+    <p:embeddedFont>
+      <p:font typeface="나눔고딕 Light" panose="020D0904000000000000" pitchFamily="50" charset="-127"/>
+      <p:regular r:id="rId34"/>
+    </p:embeddedFont>
+    <p:embeddedFont>
+      <p:font typeface="맑은 고딕" panose="020B0503020000020004" pitchFamily="50" charset="-127"/>
+      <p:regular r:id="rId35"/>
+      <p:bold r:id="rId36"/>
+    </p:embeddedFont>
+    <p:embeddedFont>
+      <p:font typeface="Consolas" panose="020B0609020204030204" pitchFamily="49" charset="0"/>
+      <p:regular r:id="rId37"/>
+      <p:bold r:id="rId38"/>
+      <p:italic r:id="rId39"/>
+      <p:boldItalic r:id="rId40"/>
+    </p:embeddedFont>
+  </p:embeddedFontLst>
   <p:defaultTextStyle>
     <a:defPPr>
       <a:defRPr lang="ko-KR"/>
@@ -290,7 +308,7 @@
           <a:p>
             <a:fld id="{3BAD717E-5B48-41D6-98B3-DB23E84BF0BC}" type="datetimeFigureOut">
               <a:rPr lang="ko-KR" altLang="en-US" smtClean="0"/>
-              <a:t>2021-08-01</a:t>
+              <a:t>2021-08-02</a:t>
             </a:fld>
             <a:endParaRPr lang="ko-KR" altLang="en-US"/>
           </a:p>
@@ -488,7 +506,7 @@
           <a:p>
             <a:fld id="{3BAD717E-5B48-41D6-98B3-DB23E84BF0BC}" type="datetimeFigureOut">
               <a:rPr lang="ko-KR" altLang="en-US" smtClean="0"/>
-              <a:t>2021-08-01</a:t>
+              <a:t>2021-08-02</a:t>
             </a:fld>
             <a:endParaRPr lang="ko-KR" altLang="en-US"/>
           </a:p>
@@ -696,7 +714,7 @@
           <a:p>
             <a:fld id="{3BAD717E-5B48-41D6-98B3-DB23E84BF0BC}" type="datetimeFigureOut">
               <a:rPr lang="ko-KR" altLang="en-US" smtClean="0"/>
-              <a:t>2021-08-01</a:t>
+              <a:t>2021-08-02</a:t>
             </a:fld>
             <a:endParaRPr lang="ko-KR" altLang="en-US"/>
           </a:p>
@@ -894,7 +912,7 @@
           <a:p>
             <a:fld id="{3BAD717E-5B48-41D6-98B3-DB23E84BF0BC}" type="datetimeFigureOut">
               <a:rPr lang="ko-KR" altLang="en-US" smtClean="0"/>
-              <a:t>2021-08-01</a:t>
+              <a:t>2021-08-02</a:t>
             </a:fld>
             <a:endParaRPr lang="ko-KR" altLang="en-US"/>
           </a:p>
@@ -1169,7 +1187,7 @@
           <a:p>
             <a:fld id="{3BAD717E-5B48-41D6-98B3-DB23E84BF0BC}" type="datetimeFigureOut">
               <a:rPr lang="ko-KR" altLang="en-US" smtClean="0"/>
-              <a:t>2021-08-01</a:t>
+              <a:t>2021-08-02</a:t>
             </a:fld>
             <a:endParaRPr lang="ko-KR" altLang="en-US"/>
           </a:p>
@@ -1434,7 +1452,7 @@
           <a:p>
             <a:fld id="{3BAD717E-5B48-41D6-98B3-DB23E84BF0BC}" type="datetimeFigureOut">
               <a:rPr lang="ko-KR" altLang="en-US" smtClean="0"/>
-              <a:t>2021-08-01</a:t>
+              <a:t>2021-08-02</a:t>
             </a:fld>
             <a:endParaRPr lang="ko-KR" altLang="en-US"/>
           </a:p>
@@ -1846,7 +1864,7 @@
           <a:p>
             <a:fld id="{3BAD717E-5B48-41D6-98B3-DB23E84BF0BC}" type="datetimeFigureOut">
               <a:rPr lang="ko-KR" altLang="en-US" smtClean="0"/>
-              <a:t>2021-08-01</a:t>
+              <a:t>2021-08-02</a:t>
             </a:fld>
             <a:endParaRPr lang="ko-KR" altLang="en-US"/>
           </a:p>
@@ -1987,7 +2005,7 @@
           <a:p>
             <a:fld id="{3BAD717E-5B48-41D6-98B3-DB23E84BF0BC}" type="datetimeFigureOut">
               <a:rPr lang="ko-KR" altLang="en-US" smtClean="0"/>
-              <a:t>2021-08-01</a:t>
+              <a:t>2021-08-02</a:t>
             </a:fld>
             <a:endParaRPr lang="ko-KR" altLang="en-US"/>
           </a:p>
@@ -2100,7 +2118,7 @@
           <a:p>
             <a:fld id="{3BAD717E-5B48-41D6-98B3-DB23E84BF0BC}" type="datetimeFigureOut">
               <a:rPr lang="ko-KR" altLang="en-US" smtClean="0"/>
-              <a:t>2021-08-01</a:t>
+              <a:t>2021-08-02</a:t>
             </a:fld>
             <a:endParaRPr lang="ko-KR" altLang="en-US"/>
           </a:p>
@@ -2411,7 +2429,7 @@
           <a:p>
             <a:fld id="{3BAD717E-5B48-41D6-98B3-DB23E84BF0BC}" type="datetimeFigureOut">
               <a:rPr lang="ko-KR" altLang="en-US" smtClean="0"/>
-              <a:t>2021-08-01</a:t>
+              <a:t>2021-08-02</a:t>
             </a:fld>
             <a:endParaRPr lang="ko-KR" altLang="en-US"/>
           </a:p>
@@ -2699,7 +2717,7 @@
           <a:p>
             <a:fld id="{3BAD717E-5B48-41D6-98B3-DB23E84BF0BC}" type="datetimeFigureOut">
               <a:rPr lang="ko-KR" altLang="en-US" smtClean="0"/>
-              <a:t>2021-08-01</a:t>
+              <a:t>2021-08-02</a:t>
             </a:fld>
             <a:endParaRPr lang="ko-KR" altLang="en-US"/>
           </a:p>
@@ -2940,7 +2958,7 @@
           <a:p>
             <a:fld id="{3BAD717E-5B48-41D6-98B3-DB23E84BF0BC}" type="datetimeFigureOut">
               <a:rPr lang="ko-KR" altLang="en-US" smtClean="0"/>
-              <a:t>2021-08-01</a:t>
+              <a:t>2021-08-02</a:t>
             </a:fld>
             <a:endParaRPr lang="ko-KR" altLang="en-US"/>
           </a:p>
